--- a/backdoor_description.pptx
+++ b/backdoor_description.pptx
@@ -3504,7 +3504,11 @@
             </a:r>
             <a:r>
               <a:rPr lang="fr-FR" dirty="0" smtClean="0"/>
-              <a:t> Christmas !</a:t>
+              <a:t> </a:t>
+            </a:r>
+            <a:r>
+              <a:rPr lang="fr-FR" dirty="0" smtClean="0"/>
+              <a:t>Christmas!</a:t>
             </a:r>
             <a:endParaRPr lang="fr-FR" dirty="0"/>
           </a:p>
@@ -5258,13 +5262,8 @@
           <a:p>
             <a:r>
               <a:rPr lang="en-US" dirty="0" smtClean="0"/>
-              <a:t>No symbols, </a:t>
-            </a:r>
-            <a:r>
-              <a:rPr lang="en-US" dirty="0" smtClean="0"/>
-              <a:t>MIPS:</a:t>
-            </a:r>
-            <a:endParaRPr lang="en-US" dirty="0" smtClean="0"/>
+              <a:t>No symbols, MIPS:</a:t>
+            </a:r>
           </a:p>
           <a:p>
             <a:pPr lvl="1"/>
@@ -5295,13 +5294,7 @@
               <a:rPr lang="en-US" dirty="0" smtClean="0">
                 <a:sym typeface="Wingdings" pitchFamily="2" charset="2"/>
               </a:rPr>
-              <a:t>is </a:t>
-            </a:r>
-            <a:r>
-              <a:rPr lang="en-US" dirty="0" smtClean="0">
-                <a:sym typeface="Wingdings" pitchFamily="2" charset="2"/>
-              </a:rPr>
-              <a:t>easy so it’s OK :D</a:t>
+              <a:t>is easy so it’s OK :D</a:t>
             </a:r>
           </a:p>
           <a:p>
@@ -5509,12 +5502,16 @@
           <a:lstStyle/>
           <a:p>
             <a:r>
-              <a:rPr lang="en-US" dirty="0" smtClean="0"/>
+              <a:rPr lang="en-US" smtClean="0"/>
               <a:t>Heap </a:t>
             </a:r>
             <a:r>
-              <a:rPr lang="en-US" dirty="0" smtClean="0"/>
-              <a:t>base buffer overflow</a:t>
+              <a:rPr lang="en-US" smtClean="0"/>
+              <a:t>based buffer </a:t>
+            </a:r>
+            <a:r>
+              <a:rPr lang="en-US" dirty="0" smtClean="0"/>
+              <a:t>overflow</a:t>
             </a:r>
             <a:endParaRPr lang="en-US" dirty="0"/>
           </a:p>
@@ -5820,11 +5817,7 @@
             </a:r>
             <a:r>
               <a:rPr lang="fr-FR" dirty="0" smtClean="0"/>
-              <a:t> </a:t>
-            </a:r>
-            <a:r>
-              <a:rPr lang="fr-FR" dirty="0" smtClean="0"/>
-              <a:t>reports :D</a:t>
+              <a:t> reports :D</a:t>
             </a:r>
           </a:p>
           <a:p>
@@ -6627,7 +6620,6 @@
               <a:rPr lang="en-US" dirty="0" smtClean="0"/>
               <a:t> </a:t>
             </a:r>
-            <a:endParaRPr lang="en-US" dirty="0" smtClean="0"/>
           </a:p>
           <a:p>
             <a:pPr marL="538163" lvl="1" indent="-269875">
@@ -6637,23 +6629,7 @@
             </a:pPr>
             <a:r>
               <a:rPr lang="en-US" dirty="0" smtClean="0"/>
-              <a:t>possible </a:t>
-            </a:r>
-            <a:r>
-              <a:rPr lang="en-US" dirty="0" smtClean="0"/>
-              <a:t>stack </a:t>
-            </a:r>
-            <a:r>
-              <a:rPr lang="en-US" dirty="0" smtClean="0"/>
-              <a:t>based </a:t>
-            </a:r>
-            <a:r>
-              <a:rPr lang="en-US" dirty="0" smtClean="0"/>
-              <a:t>buffer </a:t>
-            </a:r>
-            <a:r>
-              <a:rPr lang="en-US" dirty="0" smtClean="0"/>
-              <a:t>overflow (if variable is controlled by the user)</a:t>
+              <a:t>possible stack based buffer overflow (if variable is controlled by the user)</a:t>
             </a:r>
           </a:p>
           <a:p>
@@ -6685,33 +6661,8 @@
             <a:pPr marL="268288" lvl="1" indent="269875"/>
             <a:r>
               <a:rPr lang="en-US" dirty="0" smtClean="0"/>
-              <a:t>stack based buffer </a:t>
-            </a:r>
-            <a:r>
-              <a:rPr lang="en-US" dirty="0" smtClean="0"/>
-              <a:t>overflow, output </a:t>
-            </a:r>
-            <a:r>
-              <a:rPr lang="en-US" dirty="0" smtClean="0"/>
-              <a:t>buffer </a:t>
-            </a:r>
-            <a:r>
-              <a:rPr lang="en-US" dirty="0" smtClean="0"/>
-              <a:t>(size ≈ </a:t>
-            </a:r>
-            <a:r>
-              <a:rPr lang="en-US" dirty="0" smtClean="0"/>
-              <a:t>0x10000) is </a:t>
-            </a:r>
-            <a:r>
-              <a:rPr lang="en-US" dirty="0" smtClean="0"/>
-              <a:t>on the </a:t>
-            </a:r>
-            <a:r>
-              <a:rPr lang="en-US" dirty="0" smtClean="0"/>
-              <a:t>stack.</a:t>
-            </a:r>
-            <a:endParaRPr lang="en-US" dirty="0" smtClean="0"/>
+              <a:t>stack based buffer overflow, output buffer (size ≈ 0x10000) is on the stack.</a:t>
+            </a:r>
           </a:p>
           <a:p>
             <a:pPr marL="268288" lvl="1" indent="131763"/>
@@ -6785,11 +6736,7 @@
             </a:pPr>
             <a:r>
               <a:rPr lang="en-US" dirty="0" smtClean="0"/>
-              <a:t>Set </a:t>
-            </a:r>
-            <a:r>
-              <a:rPr lang="en-US" dirty="0" smtClean="0"/>
-              <a:t>bridge mode ON (not sure, I didn’t have the time to test it)</a:t>
+              <a:t>Set bridge mode ON (not sure, I didn’t have the time to test it)</a:t>
             </a:r>
           </a:p>
           <a:p>
@@ -6818,7 +6765,6 @@
               <a:rPr lang="en-US" dirty="0" smtClean="0"/>
               <a:t>)</a:t>
             </a:r>
-            <a:endParaRPr lang="en-US" dirty="0" smtClean="0"/>
           </a:p>
           <a:p>
             <a:pPr marL="268288" lvl="1" indent="269875"/>
@@ -6838,7 +6784,6 @@
               <a:rPr lang="en-US" dirty="0" smtClean="0"/>
               <a:t>”, 0)</a:t>
             </a:r>
-            <a:endParaRPr lang="en-US" dirty="0" smtClean="0"/>
           </a:p>
           <a:p>
             <a:pPr marL="268288" lvl="1" indent="269875"/>
@@ -6858,7 +6803,6 @@
               <a:rPr lang="en-US" dirty="0" smtClean="0"/>
               <a:t>”, 8)</a:t>
             </a:r>
-            <a:endParaRPr lang="en-US" dirty="0" smtClean="0"/>
           </a:p>
           <a:p>
             <a:pPr marL="268288" lvl="1" indent="269875"/>
@@ -6878,7 +6822,6 @@
               <a:rPr lang="en-US" dirty="0" smtClean="0"/>
               <a:t>”, 81)</a:t>
             </a:r>
-            <a:endParaRPr lang="en-US" dirty="0" smtClean="0"/>
           </a:p>
           <a:p>
             <a:pPr marL="268288" lvl="1" indent="269875"/>
@@ -6902,7 +6845,6 @@
               <a:rPr lang="en-US" dirty="0" smtClean="0"/>
               <a:t> br2684ctl”)</a:t>
             </a:r>
-            <a:endParaRPr lang="en-US" dirty="0" smtClean="0"/>
           </a:p>
           <a:p>
             <a:pPr marL="268288" lvl="1" indent="269875"/>
@@ -6934,7 +6876,6 @@
               <a:rPr lang="en-US" dirty="0" smtClean="0"/>
               <a:t>”)</a:t>
             </a:r>
-            <a:endParaRPr lang="en-US" dirty="0" smtClean="0"/>
           </a:p>
           <a:p>
             <a:pPr marL="268288" lvl="1" indent="269875"/>
@@ -6966,7 +6907,6 @@
               <a:rPr lang="en-US" dirty="0" smtClean="0"/>
               <a:t>”)</a:t>
             </a:r>
-            <a:endParaRPr lang="en-US" dirty="0" smtClean="0"/>
           </a:p>
           <a:p>
             <a:pPr marL="268288" lvl="1" indent="269875"/>
@@ -6996,13 +6936,8 @@
             </a:r>
             <a:r>
               <a:rPr lang="en-US" dirty="0" smtClean="0"/>
-              <a:t> wan stop &gt;/dev/null 2&gt;&amp;</a:t>
-            </a:r>
-            <a:r>
-              <a:rPr lang="en-US" dirty="0" smtClean="0"/>
-              <a:t>1”)</a:t>
-            </a:r>
-            <a:endParaRPr lang="en-US" dirty="0" smtClean="0"/>
+              <a:t> wan stop &gt;/dev/null 2&gt;&amp;1”)</a:t>
+            </a:r>
           </a:p>
           <a:p>
             <a:pPr marL="268288" lvl="1" indent="269875"/>
@@ -7034,7 +6969,6 @@
               <a:rPr lang="en-US" dirty="0" smtClean="0"/>
               <a:t>&amp;”)</a:t>
             </a:r>
-            <a:endParaRPr lang="en-US" dirty="0" smtClean="0"/>
           </a:p>
           <a:p>
             <a:pPr marL="268288" lvl="1" indent="131763"/>
@@ -7047,11 +6981,7 @@
             </a:pPr>
             <a:r>
               <a:rPr lang="en-US" dirty="0" smtClean="0"/>
-              <a:t>Show </a:t>
-            </a:r>
-            <a:r>
-              <a:rPr lang="en-US" dirty="0" smtClean="0"/>
-              <a:t>measured internet speed (download/upload)</a:t>
+              <a:t>Show measured internet speed (download/upload)</a:t>
             </a:r>
           </a:p>
           <a:p>
@@ -7206,11 +7136,7 @@
             </a:r>
             <a:r>
               <a:rPr lang="en-US" dirty="0" smtClean="0"/>
-              <a:t> </a:t>
-            </a:r>
-            <a:r>
-              <a:rPr lang="en-US" dirty="0" smtClean="0"/>
-              <a:t>output (same buffer again)…</a:t>
+              <a:t> output (same buffer again)…</a:t>
             </a:r>
           </a:p>
           <a:p>
@@ -7268,15 +7194,7 @@
             </a:r>
             <a:r>
               <a:rPr lang="en-US" dirty="0" smtClean="0"/>
-              <a:t>/%s”, payload</a:t>
-            </a:r>
-            <a:r>
-              <a:rPr lang="en-US" dirty="0" smtClean="0"/>
-              <a:t>))… </a:t>
-            </a:r>
-            <a:r>
-              <a:rPr lang="en-US" dirty="0" smtClean="0"/>
-              <a:t>)</a:t>
+              <a:t>/%s”, payload))… )</a:t>
             </a:r>
           </a:p>
           <a:p>
@@ -7336,7 +7254,6 @@
               <a:rPr lang="en-US" dirty="0" smtClean="0"/>
               <a:t>”)</a:t>
             </a:r>
-            <a:endParaRPr lang="en-US" dirty="0" smtClean="0"/>
           </a:p>
           <a:p>
             <a:pPr marL="538163" lvl="1" indent="-269875"/>
@@ -7368,11 +7285,7 @@
             </a:r>
             <a:r>
               <a:rPr lang="en-US" dirty="0" smtClean="0"/>
-              <a:t>”, </a:t>
-            </a:r>
-            <a:r>
-              <a:rPr lang="en-US" dirty="0" smtClean="0"/>
-              <a:t>1)</a:t>
+              <a:t>”, 1)</a:t>
             </a:r>
           </a:p>
           <a:p>
@@ -9043,15 +8956,7 @@
           <a:p>
             <a:r>
               <a:rPr lang="en-US" dirty="0" smtClean="0"/>
-              <a:t>Backdoor is </a:t>
-            </a:r>
-            <a:r>
-              <a:rPr lang="en-US" dirty="0" smtClean="0"/>
-              <a:t>only </a:t>
-            </a:r>
-            <a:r>
-              <a:rPr lang="en-US" dirty="0" smtClean="0"/>
-              <a:t>confirmed on WAG200G, if you know/find other concerned hardware, let me know </a:t>
+              <a:t>Backdoor is only confirmed on WAG200G, if you know/find other concerned hardware, let me know </a:t>
             </a:r>
             <a:r>
               <a:rPr lang="en-US" dirty="0" smtClean="0">
@@ -11063,7 +10968,6 @@
               <a:rPr lang="en-US" dirty="0" smtClean="0"/>
               <a:t>…</a:t>
             </a:r>
-            <a:endParaRPr lang="en-US" dirty="0" smtClean="0"/>
           </a:p>
           <a:p>
             <a:pPr lvl="1"/>
@@ -11180,7 +11084,6 @@
               <a:rPr lang="fr-FR" dirty="0" smtClean="0"/>
               <a:t>.</a:t>
             </a:r>
-            <a:endParaRPr lang="fr-FR" dirty="0" smtClean="0"/>
           </a:p>
           <a:p>
             <a:pPr lvl="1"/>
